--- a/group5_presentation.pptx
+++ b/group5_presentation.pptx
@@ -18405,7 +18405,7 @@
         <p:spPr>
           <a:xfrm>
             <a:off x="1392667" y="2398957"/>
-            <a:ext cx="9406666" cy="3526144"/>
+            <a:ext cx="4703333" cy="3526144"/>
           </a:xfrm>
         </p:spPr>
         <p:txBody>
@@ -18424,6 +18424,16 @@
             </a:r>
           </a:p>
           <a:p>
+            <a:pPr marL="0" indent="0">
+              <a:buNone/>
+            </a:pPr>
+            <a:endParaRPr lang="en-US" sz="2000" dirty="0">
+              <a:solidFill>
+                <a:schemeClr val="bg1"/>
+              </a:solidFill>
+            </a:endParaRPr>
+          </a:p>
+          <a:p>
             <a:r>
               <a:rPr lang="en-US" sz="2000" dirty="0">
                 <a:solidFill>
@@ -18434,6 +18444,16 @@
             </a:r>
           </a:p>
           <a:p>
+            <a:pPr marL="0" indent="0">
+              <a:buNone/>
+            </a:pPr>
+            <a:endParaRPr lang="en-US" sz="2000" dirty="0">
+              <a:solidFill>
+                <a:schemeClr val="bg1"/>
+              </a:solidFill>
+            </a:endParaRPr>
+          </a:p>
+          <a:p>
             <a:r>
               <a:rPr lang="en-US" sz="2000" dirty="0">
                 <a:solidFill>
@@ -18444,6 +18464,16 @@
             </a:r>
           </a:p>
           <a:p>
+            <a:pPr marL="0" indent="0">
+              <a:buNone/>
+            </a:pPr>
+            <a:endParaRPr lang="en-US" sz="2000" dirty="0">
+              <a:solidFill>
+                <a:schemeClr val="bg1"/>
+              </a:solidFill>
+            </a:endParaRPr>
+          </a:p>
+          <a:p>
             <a:r>
               <a:rPr lang="en-US" sz="2000" dirty="0">
                 <a:solidFill>
@@ -18454,44 +18484,11 @@
             </a:r>
           </a:p>
           <a:p>
-            <a:r>
-              <a:rPr lang="en-US" sz="2000" dirty="0">
-                <a:solidFill>
-                  <a:schemeClr val="bg1"/>
-                </a:solidFill>
-              </a:rPr>
-              <a:t>Eliminate incomplete variables and substitute others</a:t>
-            </a:r>
-          </a:p>
-          <a:p>
-            <a:r>
-              <a:rPr lang="en-US" sz="2000" dirty="0">
-                <a:solidFill>
-                  <a:schemeClr val="bg1"/>
-                </a:solidFill>
-              </a:rPr>
-              <a:t>Turns out, they’re alright</a:t>
-            </a:r>
-          </a:p>
-          <a:p>
-            <a:r>
-              <a:rPr lang="en-US" sz="2000" dirty="0">
-                <a:solidFill>
-                  <a:schemeClr val="bg1"/>
-                </a:solidFill>
-              </a:rPr>
-              <a:t>But no relationship is still a type of relationship</a:t>
-            </a:r>
-          </a:p>
-          <a:p>
-            <a:r>
-              <a:rPr lang="en-US" sz="2000" dirty="0">
-                <a:solidFill>
-                  <a:schemeClr val="bg1"/>
-                </a:solidFill>
-              </a:rPr>
-              <a:t>Inner join them!</a:t>
-            </a:r>
+            <a:endParaRPr lang="en-US" sz="2000" dirty="0">
+              <a:solidFill>
+                <a:schemeClr val="bg1"/>
+              </a:solidFill>
+            </a:endParaRPr>
           </a:p>
           <a:p>
             <a:endParaRPr lang="en-US" sz="2000" dirty="0">
@@ -18562,6 +18559,484 @@
           <a:p>
             <a:pPr algn="ctr"/>
             <a:endParaRPr lang="en-US"/>
+          </a:p>
+        </p:txBody>
+      </p:sp>
+      <p:sp>
+        <p:nvSpPr>
+          <p:cNvPr id="9" name="Content Placeholder 2">
+            <a:extLst>
+              <a:ext uri="{FF2B5EF4-FFF2-40B4-BE49-F238E27FC236}">
+                <a16:creationId xmlns:a16="http://schemas.microsoft.com/office/drawing/2014/main" id="{F34921FD-0928-4CB0-BB63-7ABFE461F1CB}"/>
+              </a:ext>
+            </a:extLst>
+          </p:cNvPr>
+          <p:cNvSpPr txBox="1">
+            <a:spLocks/>
+          </p:cNvSpPr>
+          <p:nvPr/>
+        </p:nvSpPr>
+        <p:spPr>
+          <a:xfrm>
+            <a:off x="6096000" y="2398957"/>
+            <a:ext cx="4703333" cy="3526144"/>
+          </a:xfrm>
+          <a:prstGeom prst="rect">
+            <a:avLst/>
+          </a:prstGeom>
+        </p:spPr>
+        <p:txBody>
+          <a:bodyPr vert="horz" lIns="91440" tIns="45720" rIns="91440" bIns="45720" rtlCol="0">
+            <a:normAutofit/>
+          </a:bodyPr>
+          <a:lstStyle>
+            <a:lvl1pPr marL="228600" indent="-228600" algn="l" defTabSz="914400" rtl="0" eaLnBrk="1" latinLnBrk="0" hangingPunct="1">
+              <a:lnSpc>
+                <a:spcPct val="90000"/>
+              </a:lnSpc>
+              <a:spcBef>
+                <a:spcPts val="1000"/>
+              </a:spcBef>
+              <a:buFont typeface="Arial" panose="020B0604020202020204" pitchFamily="34" charset="0"/>
+              <a:buChar char="•"/>
+              <a:defRPr sz="2800" kern="1200">
+                <a:solidFill>
+                  <a:schemeClr val="tx1"/>
+                </a:solidFill>
+                <a:latin typeface="+mn-lt"/>
+                <a:ea typeface="+mn-ea"/>
+                <a:cs typeface="+mn-cs"/>
+              </a:defRPr>
+            </a:lvl1pPr>
+            <a:lvl2pPr marL="685800" indent="-228600" algn="l" defTabSz="914400" rtl="0" eaLnBrk="1" latinLnBrk="0" hangingPunct="1">
+              <a:lnSpc>
+                <a:spcPct val="90000"/>
+              </a:lnSpc>
+              <a:spcBef>
+                <a:spcPts val="500"/>
+              </a:spcBef>
+              <a:buFont typeface="Arial" panose="020B0604020202020204" pitchFamily="34" charset="0"/>
+              <a:buChar char="•"/>
+              <a:defRPr sz="2400" kern="1200">
+                <a:solidFill>
+                  <a:schemeClr val="tx1"/>
+                </a:solidFill>
+                <a:latin typeface="+mn-lt"/>
+                <a:ea typeface="+mn-ea"/>
+                <a:cs typeface="+mn-cs"/>
+              </a:defRPr>
+            </a:lvl2pPr>
+            <a:lvl3pPr marL="1143000" indent="-228600" algn="l" defTabSz="914400" rtl="0" eaLnBrk="1" latinLnBrk="0" hangingPunct="1">
+              <a:lnSpc>
+                <a:spcPct val="90000"/>
+              </a:lnSpc>
+              <a:spcBef>
+                <a:spcPts val="500"/>
+              </a:spcBef>
+              <a:buFont typeface="Arial" panose="020B0604020202020204" pitchFamily="34" charset="0"/>
+              <a:buChar char="•"/>
+              <a:defRPr sz="2000" kern="1200">
+                <a:solidFill>
+                  <a:schemeClr val="tx1"/>
+                </a:solidFill>
+                <a:latin typeface="+mn-lt"/>
+                <a:ea typeface="+mn-ea"/>
+                <a:cs typeface="+mn-cs"/>
+              </a:defRPr>
+            </a:lvl3pPr>
+            <a:lvl4pPr marL="1600200" indent="-228600" algn="l" defTabSz="914400" rtl="0" eaLnBrk="1" latinLnBrk="0" hangingPunct="1">
+              <a:lnSpc>
+                <a:spcPct val="90000"/>
+              </a:lnSpc>
+              <a:spcBef>
+                <a:spcPts val="500"/>
+              </a:spcBef>
+              <a:buFont typeface="Arial" panose="020B0604020202020204" pitchFamily="34" charset="0"/>
+              <a:buChar char="•"/>
+              <a:defRPr sz="1800" kern="1200">
+                <a:solidFill>
+                  <a:schemeClr val="tx1"/>
+                </a:solidFill>
+                <a:latin typeface="+mn-lt"/>
+                <a:ea typeface="+mn-ea"/>
+                <a:cs typeface="+mn-cs"/>
+              </a:defRPr>
+            </a:lvl4pPr>
+            <a:lvl5pPr marL="2057400" indent="-228600" algn="l" defTabSz="914400" rtl="0" eaLnBrk="1" latinLnBrk="0" hangingPunct="1">
+              <a:lnSpc>
+                <a:spcPct val="90000"/>
+              </a:lnSpc>
+              <a:spcBef>
+                <a:spcPts val="500"/>
+              </a:spcBef>
+              <a:buFont typeface="Arial" panose="020B0604020202020204" pitchFamily="34" charset="0"/>
+              <a:buChar char="•"/>
+              <a:defRPr sz="1800" kern="1200">
+                <a:solidFill>
+                  <a:schemeClr val="tx1"/>
+                </a:solidFill>
+                <a:latin typeface="+mn-lt"/>
+                <a:ea typeface="+mn-ea"/>
+                <a:cs typeface="+mn-cs"/>
+              </a:defRPr>
+            </a:lvl5pPr>
+            <a:lvl6pPr marL="2514600" indent="-228600" algn="l" defTabSz="914400" rtl="0" eaLnBrk="1" latinLnBrk="0" hangingPunct="1">
+              <a:lnSpc>
+                <a:spcPct val="90000"/>
+              </a:lnSpc>
+              <a:spcBef>
+                <a:spcPts val="500"/>
+              </a:spcBef>
+              <a:buFont typeface="Arial" panose="020B0604020202020204" pitchFamily="34" charset="0"/>
+              <a:buChar char="•"/>
+              <a:defRPr sz="1800" kern="1200">
+                <a:solidFill>
+                  <a:schemeClr val="tx1"/>
+                </a:solidFill>
+                <a:latin typeface="+mn-lt"/>
+                <a:ea typeface="+mn-ea"/>
+                <a:cs typeface="+mn-cs"/>
+              </a:defRPr>
+            </a:lvl6pPr>
+            <a:lvl7pPr marL="2971800" indent="-228600" algn="l" defTabSz="914400" rtl="0" eaLnBrk="1" latinLnBrk="0" hangingPunct="1">
+              <a:lnSpc>
+                <a:spcPct val="90000"/>
+              </a:lnSpc>
+              <a:spcBef>
+                <a:spcPts val="500"/>
+              </a:spcBef>
+              <a:buFont typeface="Arial" panose="020B0604020202020204" pitchFamily="34" charset="0"/>
+              <a:buChar char="•"/>
+              <a:defRPr sz="1800" kern="1200">
+                <a:solidFill>
+                  <a:schemeClr val="tx1"/>
+                </a:solidFill>
+                <a:latin typeface="+mn-lt"/>
+                <a:ea typeface="+mn-ea"/>
+                <a:cs typeface="+mn-cs"/>
+              </a:defRPr>
+            </a:lvl7pPr>
+            <a:lvl8pPr marL="3429000" indent="-228600" algn="l" defTabSz="914400" rtl="0" eaLnBrk="1" latinLnBrk="0" hangingPunct="1">
+              <a:lnSpc>
+                <a:spcPct val="90000"/>
+              </a:lnSpc>
+              <a:spcBef>
+                <a:spcPts val="500"/>
+              </a:spcBef>
+              <a:buFont typeface="Arial" panose="020B0604020202020204" pitchFamily="34" charset="0"/>
+              <a:buChar char="•"/>
+              <a:defRPr sz="1800" kern="1200">
+                <a:solidFill>
+                  <a:schemeClr val="tx1"/>
+                </a:solidFill>
+                <a:latin typeface="+mn-lt"/>
+                <a:ea typeface="+mn-ea"/>
+                <a:cs typeface="+mn-cs"/>
+              </a:defRPr>
+            </a:lvl8pPr>
+            <a:lvl9pPr marL="3886200" indent="-228600" algn="l" defTabSz="914400" rtl="0" eaLnBrk="1" latinLnBrk="0" hangingPunct="1">
+              <a:lnSpc>
+                <a:spcPct val="90000"/>
+              </a:lnSpc>
+              <a:spcBef>
+                <a:spcPts val="500"/>
+              </a:spcBef>
+              <a:buFont typeface="Arial" panose="020B0604020202020204" pitchFamily="34" charset="0"/>
+              <a:buChar char="•"/>
+              <a:defRPr sz="1800" kern="1200">
+                <a:solidFill>
+                  <a:schemeClr val="tx1"/>
+                </a:solidFill>
+                <a:latin typeface="+mn-lt"/>
+                <a:ea typeface="+mn-ea"/>
+                <a:cs typeface="+mn-cs"/>
+              </a:defRPr>
+            </a:lvl9pPr>
+          </a:lstStyle>
+          <a:p>
+            <a:endParaRPr lang="en-US" sz="2000" dirty="0">
+              <a:solidFill>
+                <a:schemeClr val="bg1"/>
+              </a:solidFill>
+            </a:endParaRPr>
+          </a:p>
+        </p:txBody>
+      </p:sp>
+      <p:sp>
+        <p:nvSpPr>
+          <p:cNvPr id="11" name="Content Placeholder 2">
+            <a:extLst>
+              <a:ext uri="{FF2B5EF4-FFF2-40B4-BE49-F238E27FC236}">
+                <a16:creationId xmlns:a16="http://schemas.microsoft.com/office/drawing/2014/main" id="{5EB72011-B263-4763-9255-5F9AA94B298C}"/>
+              </a:ext>
+            </a:extLst>
+          </p:cNvPr>
+          <p:cNvSpPr txBox="1">
+            <a:spLocks/>
+          </p:cNvSpPr>
+          <p:nvPr/>
+        </p:nvSpPr>
+        <p:spPr>
+          <a:xfrm>
+            <a:off x="6096000" y="2398957"/>
+            <a:ext cx="4703333" cy="3526144"/>
+          </a:xfrm>
+          <a:prstGeom prst="rect">
+            <a:avLst/>
+          </a:prstGeom>
+        </p:spPr>
+        <p:txBody>
+          <a:bodyPr vert="horz" lIns="91440" tIns="45720" rIns="91440" bIns="45720" rtlCol="0">
+            <a:normAutofit/>
+          </a:bodyPr>
+          <a:lstStyle>
+            <a:lvl1pPr marL="228600" indent="-228600" algn="l" defTabSz="914400" rtl="0" eaLnBrk="1" latinLnBrk="0" hangingPunct="1">
+              <a:lnSpc>
+                <a:spcPct val="90000"/>
+              </a:lnSpc>
+              <a:spcBef>
+                <a:spcPts val="1000"/>
+              </a:spcBef>
+              <a:buFont typeface="Arial" panose="020B0604020202020204" pitchFamily="34" charset="0"/>
+              <a:buChar char="•"/>
+              <a:defRPr sz="2800" kern="1200">
+                <a:solidFill>
+                  <a:schemeClr val="tx1"/>
+                </a:solidFill>
+                <a:latin typeface="+mn-lt"/>
+                <a:ea typeface="+mn-ea"/>
+                <a:cs typeface="+mn-cs"/>
+              </a:defRPr>
+            </a:lvl1pPr>
+            <a:lvl2pPr marL="685800" indent="-228600" algn="l" defTabSz="914400" rtl="0" eaLnBrk="1" latinLnBrk="0" hangingPunct="1">
+              <a:lnSpc>
+                <a:spcPct val="90000"/>
+              </a:lnSpc>
+              <a:spcBef>
+                <a:spcPts val="500"/>
+              </a:spcBef>
+              <a:buFont typeface="Arial" panose="020B0604020202020204" pitchFamily="34" charset="0"/>
+              <a:buChar char="•"/>
+              <a:defRPr sz="2400" kern="1200">
+                <a:solidFill>
+                  <a:schemeClr val="tx1"/>
+                </a:solidFill>
+                <a:latin typeface="+mn-lt"/>
+                <a:ea typeface="+mn-ea"/>
+                <a:cs typeface="+mn-cs"/>
+              </a:defRPr>
+            </a:lvl2pPr>
+            <a:lvl3pPr marL="1143000" indent="-228600" algn="l" defTabSz="914400" rtl="0" eaLnBrk="1" latinLnBrk="0" hangingPunct="1">
+              <a:lnSpc>
+                <a:spcPct val="90000"/>
+              </a:lnSpc>
+              <a:spcBef>
+                <a:spcPts val="500"/>
+              </a:spcBef>
+              <a:buFont typeface="Arial" panose="020B0604020202020204" pitchFamily="34" charset="0"/>
+              <a:buChar char="•"/>
+              <a:defRPr sz="2000" kern="1200">
+                <a:solidFill>
+                  <a:schemeClr val="tx1"/>
+                </a:solidFill>
+                <a:latin typeface="+mn-lt"/>
+                <a:ea typeface="+mn-ea"/>
+                <a:cs typeface="+mn-cs"/>
+              </a:defRPr>
+            </a:lvl3pPr>
+            <a:lvl4pPr marL="1600200" indent="-228600" algn="l" defTabSz="914400" rtl="0" eaLnBrk="1" latinLnBrk="0" hangingPunct="1">
+              <a:lnSpc>
+                <a:spcPct val="90000"/>
+              </a:lnSpc>
+              <a:spcBef>
+                <a:spcPts val="500"/>
+              </a:spcBef>
+              <a:buFont typeface="Arial" panose="020B0604020202020204" pitchFamily="34" charset="0"/>
+              <a:buChar char="•"/>
+              <a:defRPr sz="1800" kern="1200">
+                <a:solidFill>
+                  <a:schemeClr val="tx1"/>
+                </a:solidFill>
+                <a:latin typeface="+mn-lt"/>
+                <a:ea typeface="+mn-ea"/>
+                <a:cs typeface="+mn-cs"/>
+              </a:defRPr>
+            </a:lvl4pPr>
+            <a:lvl5pPr marL="2057400" indent="-228600" algn="l" defTabSz="914400" rtl="0" eaLnBrk="1" latinLnBrk="0" hangingPunct="1">
+              <a:lnSpc>
+                <a:spcPct val="90000"/>
+              </a:lnSpc>
+              <a:spcBef>
+                <a:spcPts val="500"/>
+              </a:spcBef>
+              <a:buFont typeface="Arial" panose="020B0604020202020204" pitchFamily="34" charset="0"/>
+              <a:buChar char="•"/>
+              <a:defRPr sz="1800" kern="1200">
+                <a:solidFill>
+                  <a:schemeClr val="tx1"/>
+                </a:solidFill>
+                <a:latin typeface="+mn-lt"/>
+                <a:ea typeface="+mn-ea"/>
+                <a:cs typeface="+mn-cs"/>
+              </a:defRPr>
+            </a:lvl5pPr>
+            <a:lvl6pPr marL="2514600" indent="-228600" algn="l" defTabSz="914400" rtl="0" eaLnBrk="1" latinLnBrk="0" hangingPunct="1">
+              <a:lnSpc>
+                <a:spcPct val="90000"/>
+              </a:lnSpc>
+              <a:spcBef>
+                <a:spcPts val="500"/>
+              </a:spcBef>
+              <a:buFont typeface="Arial" panose="020B0604020202020204" pitchFamily="34" charset="0"/>
+              <a:buChar char="•"/>
+              <a:defRPr sz="1800" kern="1200">
+                <a:solidFill>
+                  <a:schemeClr val="tx1"/>
+                </a:solidFill>
+                <a:latin typeface="+mn-lt"/>
+                <a:ea typeface="+mn-ea"/>
+                <a:cs typeface="+mn-cs"/>
+              </a:defRPr>
+            </a:lvl6pPr>
+            <a:lvl7pPr marL="2971800" indent="-228600" algn="l" defTabSz="914400" rtl="0" eaLnBrk="1" latinLnBrk="0" hangingPunct="1">
+              <a:lnSpc>
+                <a:spcPct val="90000"/>
+              </a:lnSpc>
+              <a:spcBef>
+                <a:spcPts val="500"/>
+              </a:spcBef>
+              <a:buFont typeface="Arial" panose="020B0604020202020204" pitchFamily="34" charset="0"/>
+              <a:buChar char="•"/>
+              <a:defRPr sz="1800" kern="1200">
+                <a:solidFill>
+                  <a:schemeClr val="tx1"/>
+                </a:solidFill>
+                <a:latin typeface="+mn-lt"/>
+                <a:ea typeface="+mn-ea"/>
+                <a:cs typeface="+mn-cs"/>
+              </a:defRPr>
+            </a:lvl7pPr>
+            <a:lvl8pPr marL="3429000" indent="-228600" algn="l" defTabSz="914400" rtl="0" eaLnBrk="1" latinLnBrk="0" hangingPunct="1">
+              <a:lnSpc>
+                <a:spcPct val="90000"/>
+              </a:lnSpc>
+              <a:spcBef>
+                <a:spcPts val="500"/>
+              </a:spcBef>
+              <a:buFont typeface="Arial" panose="020B0604020202020204" pitchFamily="34" charset="0"/>
+              <a:buChar char="•"/>
+              <a:defRPr sz="1800" kern="1200">
+                <a:solidFill>
+                  <a:schemeClr val="tx1"/>
+                </a:solidFill>
+                <a:latin typeface="+mn-lt"/>
+                <a:ea typeface="+mn-ea"/>
+                <a:cs typeface="+mn-cs"/>
+              </a:defRPr>
+            </a:lvl8pPr>
+            <a:lvl9pPr marL="3886200" indent="-228600" algn="l" defTabSz="914400" rtl="0" eaLnBrk="1" latinLnBrk="0" hangingPunct="1">
+              <a:lnSpc>
+                <a:spcPct val="90000"/>
+              </a:lnSpc>
+              <a:spcBef>
+                <a:spcPts val="500"/>
+              </a:spcBef>
+              <a:buFont typeface="Arial" panose="020B0604020202020204" pitchFamily="34" charset="0"/>
+              <a:buChar char="•"/>
+              <a:defRPr sz="1800" kern="1200">
+                <a:solidFill>
+                  <a:schemeClr val="tx1"/>
+                </a:solidFill>
+                <a:latin typeface="+mn-lt"/>
+                <a:ea typeface="+mn-ea"/>
+                <a:cs typeface="+mn-cs"/>
+              </a:defRPr>
+            </a:lvl9pPr>
+          </a:lstStyle>
+          <a:p>
+            <a:r>
+              <a:rPr lang="en-US" sz="2000" dirty="0">
+                <a:solidFill>
+                  <a:schemeClr val="bg1"/>
+                </a:solidFill>
+              </a:rPr>
+              <a:t>Eliminate incomplete variables and substitute others</a:t>
+            </a:r>
+          </a:p>
+          <a:p>
+            <a:pPr marL="0" indent="0">
+              <a:buNone/>
+            </a:pPr>
+            <a:endParaRPr lang="en-US" sz="2000" dirty="0">
+              <a:solidFill>
+                <a:schemeClr val="bg1"/>
+              </a:solidFill>
+            </a:endParaRPr>
+          </a:p>
+          <a:p>
+            <a:r>
+              <a:rPr lang="en-US" sz="2000" dirty="0">
+                <a:solidFill>
+                  <a:schemeClr val="bg1"/>
+                </a:solidFill>
+              </a:rPr>
+              <a:t>Turns out, they’re alright</a:t>
+            </a:r>
+          </a:p>
+          <a:p>
+            <a:pPr marL="0" indent="0">
+              <a:buNone/>
+            </a:pPr>
+            <a:endParaRPr lang="en-US" sz="2000" dirty="0">
+              <a:solidFill>
+                <a:schemeClr val="bg1"/>
+              </a:solidFill>
+            </a:endParaRPr>
+          </a:p>
+          <a:p>
+            <a:r>
+              <a:rPr lang="en-US" sz="2000" dirty="0">
+                <a:solidFill>
+                  <a:schemeClr val="bg1"/>
+                </a:solidFill>
+              </a:rPr>
+              <a:t>But no correlation is </a:t>
+            </a:r>
+            <a:r>
+              <a:rPr lang="en-US" sz="2000">
+                <a:solidFill>
+                  <a:schemeClr val="bg1"/>
+                </a:solidFill>
+              </a:rPr>
+              <a:t>still a relationship</a:t>
+            </a:r>
+          </a:p>
+          <a:p>
+            <a:pPr marL="0" indent="0">
+              <a:buNone/>
+            </a:pPr>
+            <a:endParaRPr lang="en-US" sz="2000" dirty="0">
+              <a:solidFill>
+                <a:schemeClr val="bg1"/>
+              </a:solidFill>
+            </a:endParaRPr>
+          </a:p>
+          <a:p>
+            <a:r>
+              <a:rPr lang="en-US" sz="2000" dirty="0">
+                <a:solidFill>
+                  <a:schemeClr val="bg1"/>
+                </a:solidFill>
+              </a:rPr>
+              <a:t>Inner join them!</a:t>
+            </a:r>
+          </a:p>
+          <a:p>
+            <a:endParaRPr lang="en-US" sz="2000" dirty="0">
+              <a:solidFill>
+                <a:schemeClr val="bg1"/>
+              </a:solidFill>
+            </a:endParaRPr>
           </a:p>
         </p:txBody>
       </p:sp>

--- a/group5_presentation.pptx
+++ b/group5_presentation.pptx
@@ -13673,7 +13673,7 @@
                   <a:schemeClr val="bg1"/>
                 </a:solidFill>
               </a:rPr>
-              <a:t>Valid arguments</a:t>
+              <a:t>Correlations</a:t>
             </a:r>
           </a:p>
           <a:p>
@@ -13749,7 +13749,7 @@
                   <a:schemeClr val="bg1"/>
                 </a:solidFill>
               </a:rPr>
-              <a:t>Null Arguments</a:t>
+              <a:t>No Correlations</a:t>
             </a:r>
           </a:p>
           <a:p>
@@ -14130,7 +14130,23 @@
                   <a:schemeClr val="bg1"/>
                 </a:solidFill>
               </a:rPr>
-              <a:t>Valid arguments</a:t>
+              <a:t>Correlations (</a:t>
+            </a:r>
+            <a:r>
+              <a:rPr lang="en-US" sz="3200" dirty="0" err="1">
+                <a:solidFill>
+                  <a:schemeClr val="bg1"/>
+                </a:solidFill>
+              </a:rPr>
+              <a:t>cnt</a:t>
+            </a:r>
+            <a:r>
+              <a:rPr lang="en-US" sz="3200" dirty="0">
+                <a:solidFill>
+                  <a:schemeClr val="bg1"/>
+                </a:solidFill>
+              </a:rPr>
+              <a:t>.)</a:t>
             </a:r>
           </a:p>
           <a:p>
@@ -19000,15 +19016,7 @@
                   <a:schemeClr val="bg1"/>
                 </a:solidFill>
               </a:rPr>
-              <a:t>But no correlation is </a:t>
-            </a:r>
-            <a:r>
-              <a:rPr lang="en-US" sz="2000">
-                <a:solidFill>
-                  <a:schemeClr val="bg1"/>
-                </a:solidFill>
-              </a:rPr>
-              <a:t>still a relationship</a:t>
+              <a:t>But no correlation is still a relationship</a:t>
             </a:r>
           </a:p>
           <a:p>

--- a/group5_presentation.pptx
+++ b/group5_presentation.pptx
@@ -25,12 +25,12 @@
     <p:sldId id="278" r:id="rId16"/>
     <p:sldId id="279" r:id="rId17"/>
     <p:sldId id="280" r:id="rId18"/>
-    <p:sldId id="281" r:id="rId19"/>
-    <p:sldId id="282" r:id="rId20"/>
-    <p:sldId id="283" r:id="rId21"/>
-    <p:sldId id="284" r:id="rId22"/>
-    <p:sldId id="275" r:id="rId23"/>
-    <p:sldId id="285" r:id="rId24"/>
+    <p:sldId id="275" r:id="rId19"/>
+    <p:sldId id="284" r:id="rId20"/>
+    <p:sldId id="285" r:id="rId21"/>
+    <p:sldId id="281" r:id="rId22"/>
+    <p:sldId id="282" r:id="rId23"/>
+    <p:sldId id="283" r:id="rId24"/>
     <p:sldId id="270" r:id="rId25"/>
     <p:sldId id="286" r:id="rId26"/>
     <p:sldId id="288" r:id="rId27"/>
@@ -3550,7 +3550,7 @@
           <a:p>
             <a:fld id="{6A2738CA-FD84-4959-96B8-BB76F9EFE350}" type="slidenum">
               <a:rPr lang="en-US" smtClean="0"/>
-              <a:t>18</a:t>
+              <a:t>19</a:t>
             </a:fld>
             <a:endParaRPr lang="en-US"/>
           </a:p>
@@ -3559,7 +3559,7 @@
     </p:spTree>
     <p:extLst>
       <p:ext uri="{BB962C8B-B14F-4D97-AF65-F5344CB8AC3E}">
-        <p14:creationId xmlns:p14="http://schemas.microsoft.com/office/powerpoint/2010/main" val="701432928"/>
+        <p14:creationId xmlns:p14="http://schemas.microsoft.com/office/powerpoint/2010/main" val="2832418216"/>
       </p:ext>
     </p:extLst>
   </p:cSld>
@@ -3634,7 +3634,7 @@
           <a:p>
             <a:fld id="{6A2738CA-FD84-4959-96B8-BB76F9EFE350}" type="slidenum">
               <a:rPr lang="en-US" smtClean="0"/>
-              <a:t>19</a:t>
+              <a:t>21</a:t>
             </a:fld>
             <a:endParaRPr lang="en-US"/>
           </a:p>
@@ -3643,7 +3643,7 @@
     </p:spTree>
     <p:extLst>
       <p:ext uri="{BB962C8B-B14F-4D97-AF65-F5344CB8AC3E}">
-        <p14:creationId xmlns:p14="http://schemas.microsoft.com/office/powerpoint/2010/main" val="315431516"/>
+        <p14:creationId xmlns:p14="http://schemas.microsoft.com/office/powerpoint/2010/main" val="701432928"/>
       </p:ext>
     </p:extLst>
   </p:cSld>
@@ -3718,7 +3718,7 @@
           <a:p>
             <a:fld id="{6A2738CA-FD84-4959-96B8-BB76F9EFE350}" type="slidenum">
               <a:rPr lang="en-US" smtClean="0"/>
-              <a:t>20</a:t>
+              <a:t>22</a:t>
             </a:fld>
             <a:endParaRPr lang="en-US"/>
           </a:p>
@@ -3727,7 +3727,7 @@
     </p:spTree>
     <p:extLst>
       <p:ext uri="{BB962C8B-B14F-4D97-AF65-F5344CB8AC3E}">
-        <p14:creationId xmlns:p14="http://schemas.microsoft.com/office/powerpoint/2010/main" val="2772263287"/>
+        <p14:creationId xmlns:p14="http://schemas.microsoft.com/office/powerpoint/2010/main" val="315431516"/>
       </p:ext>
     </p:extLst>
   </p:cSld>
@@ -3802,7 +3802,7 @@
           <a:p>
             <a:fld id="{6A2738CA-FD84-4959-96B8-BB76F9EFE350}" type="slidenum">
               <a:rPr lang="en-US" smtClean="0"/>
-              <a:t>21</a:t>
+              <a:t>23</a:t>
             </a:fld>
             <a:endParaRPr lang="en-US"/>
           </a:p>
@@ -3811,7 +3811,7 @@
     </p:spTree>
     <p:extLst>
       <p:ext uri="{BB962C8B-B14F-4D97-AF65-F5344CB8AC3E}">
-        <p14:creationId xmlns:p14="http://schemas.microsoft.com/office/powerpoint/2010/main" val="2832418216"/>
+        <p14:creationId xmlns:p14="http://schemas.microsoft.com/office/powerpoint/2010/main" val="2772263287"/>
       </p:ext>
     </p:extLst>
   </p:cSld>
@@ -11173,14 +11173,21 @@
           </a:bodyPr>
           <a:lstStyle/>
           <a:p>
-            <a:pPr lvl="2" algn="r"/>
-            <a:r>
-              <a:rPr lang="en-US" sz="4800" dirty="0">
+            <a:pPr lvl="2"/>
+            <a:br>
+              <a:rPr lang="en-US" sz="4000" dirty="0">
                 <a:solidFill>
                   <a:schemeClr val="bg1"/>
                 </a:solidFill>
               </a:rPr>
-              <a:t>Infant Mortality</a:t>
+            </a:br>
+            <a:r>
+              <a:rPr lang="en-US" sz="4000" dirty="0">
+                <a:solidFill>
+                  <a:schemeClr val="bg1"/>
+                </a:solidFill>
+              </a:rPr>
+              <a:t>Military Expenditure (%GDP)</a:t>
             </a:r>
           </a:p>
         </p:txBody>
@@ -11242,7 +11249,7 @@
           <p:cNvPr id="4" name="Content Placeholder 3">
             <a:extLst>
               <a:ext uri="{FF2B5EF4-FFF2-40B4-BE49-F238E27FC236}">
-                <a16:creationId xmlns:a16="http://schemas.microsoft.com/office/drawing/2014/main" id="{F5624EBD-2823-45FB-B7BA-724258F494C7}"/>
+                <a16:creationId xmlns:a16="http://schemas.microsoft.com/office/drawing/2014/main" id="{8734124D-4AAB-4112-A50F-DE084336BC27}"/>
               </a:ext>
             </a:extLst>
           </p:cNvPr>
@@ -11254,15 +11261,15 @@
           </p:nvPr>
         </p:nvPicPr>
         <p:blipFill>
-          <a:blip r:embed="rId3"/>
+          <a:blip r:embed="rId2"/>
           <a:stretch>
             <a:fillRect/>
           </a:stretch>
         </p:blipFill>
         <p:spPr>
           <a:xfrm>
-            <a:off x="6683738" y="2105025"/>
-            <a:ext cx="3895725" cy="2647950"/>
+            <a:off x="6712313" y="2105025"/>
+            <a:ext cx="3838575" cy="2647950"/>
           </a:xfrm>
           <a:prstGeom prst="rect">
             <a:avLst/>
@@ -11335,7 +11342,7 @@
     </p:spTree>
     <p:extLst>
       <p:ext uri="{BB962C8B-B14F-4D97-AF65-F5344CB8AC3E}">
-        <p14:creationId xmlns:p14="http://schemas.microsoft.com/office/powerpoint/2010/main" val="3148069488"/>
+        <p14:creationId xmlns:p14="http://schemas.microsoft.com/office/powerpoint/2010/main" val="105920530"/>
       </p:ext>
     </p:extLst>
   </p:cSld>
@@ -11470,12 +11477,12 @@
           <a:p>
             <a:pPr lvl="2" algn="r"/>
             <a:r>
-              <a:rPr lang="en-US" sz="3200" dirty="0">
+              <a:rPr lang="en-US" sz="7200" dirty="0">
                 <a:solidFill>
                   <a:schemeClr val="bg1"/>
                 </a:solidFill>
               </a:rPr>
-              <a:t>Female Life Expectancy</a:t>
+              <a:t>GDP</a:t>
             </a:r>
           </a:p>
         </p:txBody>
@@ -11537,7 +11544,7 @@
           <p:cNvPr id="4" name="Content Placeholder 3">
             <a:extLst>
               <a:ext uri="{FF2B5EF4-FFF2-40B4-BE49-F238E27FC236}">
-                <a16:creationId xmlns:a16="http://schemas.microsoft.com/office/drawing/2014/main" id="{FCC0C79C-E394-492A-B64B-D301AC55F250}"/>
+                <a16:creationId xmlns:a16="http://schemas.microsoft.com/office/drawing/2014/main" id="{F84DB66D-7D53-4319-A438-3F01E3580D9A}"/>
               </a:ext>
             </a:extLst>
           </p:cNvPr>
@@ -11548,15 +11555,16 @@
             <p:ph idx="1"/>
           </p:nvPr>
         </p:nvPicPr>
-        <p:blipFill rotWithShape="1">
+        <p:blipFill>
           <a:blip r:embed="rId3"/>
-          <a:srcRect b="44879"/>
-          <a:stretch/>
+          <a:stretch>
+            <a:fillRect/>
+          </a:stretch>
         </p:blipFill>
         <p:spPr>
           <a:xfrm>
-            <a:off x="6726601" y="2071803"/>
-            <a:ext cx="3810000" cy="2714393"/>
+            <a:off x="6350363" y="2380762"/>
+            <a:ext cx="4562475" cy="2096476"/>
           </a:xfrm>
           <a:prstGeom prst="rect">
             <a:avLst/>
@@ -11629,7 +11637,7 @@
     </p:spTree>
     <p:extLst>
       <p:ext uri="{BB962C8B-B14F-4D97-AF65-F5344CB8AC3E}">
-        <p14:creationId xmlns:p14="http://schemas.microsoft.com/office/powerpoint/2010/main" val="234104158"/>
+        <p14:creationId xmlns:p14="http://schemas.microsoft.com/office/powerpoint/2010/main" val="194180961"/>
       </p:ext>
     </p:extLst>
   </p:cSld>
@@ -12389,14 +12397,14 @@
           </a:bodyPr>
           <a:lstStyle/>
           <a:p>
-            <a:pPr lvl="2" algn="r"/>
-            <a:r>
-              <a:rPr lang="en-US" sz="3600" dirty="0">
+            <a:pPr lvl="2"/>
+            <a:r>
+              <a:rPr lang="en-US" sz="4400" dirty="0">
                 <a:solidFill>
                   <a:schemeClr val="bg1"/>
                 </a:solidFill>
               </a:rPr>
-              <a:t>Male Life Expectancy</a:t>
+              <a:t>Total Labor Force</a:t>
             </a:r>
           </a:p>
         </p:txBody>
@@ -12458,7 +12466,7 @@
           <p:cNvPr id="4" name="Content Placeholder 3">
             <a:extLst>
               <a:ext uri="{FF2B5EF4-FFF2-40B4-BE49-F238E27FC236}">
-                <a16:creationId xmlns:a16="http://schemas.microsoft.com/office/drawing/2014/main" id="{47730652-D39C-4344-9E1E-80F6EC70C61C}"/>
+                <a16:creationId xmlns:a16="http://schemas.microsoft.com/office/drawing/2014/main" id="{902576E5-FF56-48D5-942E-C25F30C93F78}"/>
               </a:ext>
             </a:extLst>
           </p:cNvPr>
@@ -12469,15 +12477,16 @@
             <p:ph idx="1"/>
           </p:nvPr>
         </p:nvPicPr>
-        <p:blipFill rotWithShape="1">
-          <a:blip r:embed="rId3"/>
-          <a:srcRect b="44976"/>
-          <a:stretch/>
+        <p:blipFill>
+          <a:blip r:embed="rId2"/>
+          <a:stretch>
+            <a:fillRect/>
+          </a:stretch>
         </p:blipFill>
         <p:spPr>
           <a:xfrm>
-            <a:off x="6726601" y="2047991"/>
-            <a:ext cx="3810000" cy="2762018"/>
+            <a:off x="6350363" y="2160632"/>
+            <a:ext cx="4562475" cy="2536736"/>
           </a:xfrm>
           <a:prstGeom prst="rect">
             <a:avLst/>
@@ -12550,7 +12559,7 @@
     </p:spTree>
     <p:extLst>
       <p:ext uri="{BB962C8B-B14F-4D97-AF65-F5344CB8AC3E}">
-        <p14:creationId xmlns:p14="http://schemas.microsoft.com/office/powerpoint/2010/main" val="2675126648"/>
+        <p14:creationId xmlns:p14="http://schemas.microsoft.com/office/powerpoint/2010/main" val="2920851687"/>
       </p:ext>
     </p:extLst>
   </p:cSld>
@@ -12685,12 +12694,12 @@
           <a:p>
             <a:pPr lvl="2" algn="r"/>
             <a:r>
-              <a:rPr lang="en-US" sz="7200" dirty="0">
+              <a:rPr lang="en-US" sz="4800" dirty="0">
                 <a:solidFill>
                   <a:schemeClr val="bg1"/>
                 </a:solidFill>
               </a:rPr>
-              <a:t>GDP</a:t>
+              <a:t>Infant Mortality</a:t>
             </a:r>
           </a:p>
         </p:txBody>
@@ -12752,7 +12761,7 @@
           <p:cNvPr id="4" name="Content Placeholder 3">
             <a:extLst>
               <a:ext uri="{FF2B5EF4-FFF2-40B4-BE49-F238E27FC236}">
-                <a16:creationId xmlns:a16="http://schemas.microsoft.com/office/drawing/2014/main" id="{F84DB66D-7D53-4319-A438-3F01E3580D9A}"/>
+                <a16:creationId xmlns:a16="http://schemas.microsoft.com/office/drawing/2014/main" id="{F5624EBD-2823-45FB-B7BA-724258F494C7}"/>
               </a:ext>
             </a:extLst>
           </p:cNvPr>
@@ -12771,8 +12780,8 @@
         </p:blipFill>
         <p:spPr>
           <a:xfrm>
-            <a:off x="6350363" y="2380762"/>
-            <a:ext cx="4562475" cy="2096476"/>
+            <a:off x="6683738" y="2105025"/>
+            <a:ext cx="3895725" cy="2647950"/>
           </a:xfrm>
           <a:prstGeom prst="rect">
             <a:avLst/>
@@ -12845,7 +12854,7 @@
     </p:spTree>
     <p:extLst>
       <p:ext uri="{BB962C8B-B14F-4D97-AF65-F5344CB8AC3E}">
-        <p14:creationId xmlns:p14="http://schemas.microsoft.com/office/powerpoint/2010/main" val="194180961"/>
+        <p14:creationId xmlns:p14="http://schemas.microsoft.com/office/powerpoint/2010/main" val="3148069488"/>
       </p:ext>
     </p:extLst>
   </p:cSld>
@@ -12978,21 +12987,14 @@
           </a:bodyPr>
           <a:lstStyle/>
           <a:p>
-            <a:pPr lvl="2"/>
-            <a:br>
-              <a:rPr lang="en-US" sz="4000" dirty="0">
+            <a:pPr lvl="2" algn="r"/>
+            <a:r>
+              <a:rPr lang="en-US" sz="3200" dirty="0">
                 <a:solidFill>
                   <a:schemeClr val="bg1"/>
                 </a:solidFill>
               </a:rPr>
-            </a:br>
-            <a:r>
-              <a:rPr lang="en-US" sz="4000" dirty="0">
-                <a:solidFill>
-                  <a:schemeClr val="bg1"/>
-                </a:solidFill>
-              </a:rPr>
-              <a:t>Military Expenditure (%GDP)</a:t>
+              <a:t>Female Life Expectancy</a:t>
             </a:r>
           </a:p>
         </p:txBody>
@@ -13054,7 +13056,7 @@
           <p:cNvPr id="4" name="Content Placeholder 3">
             <a:extLst>
               <a:ext uri="{FF2B5EF4-FFF2-40B4-BE49-F238E27FC236}">
-                <a16:creationId xmlns:a16="http://schemas.microsoft.com/office/drawing/2014/main" id="{8734124D-4AAB-4112-A50F-DE084336BC27}"/>
+                <a16:creationId xmlns:a16="http://schemas.microsoft.com/office/drawing/2014/main" id="{FCC0C79C-E394-492A-B64B-D301AC55F250}"/>
               </a:ext>
             </a:extLst>
           </p:cNvPr>
@@ -13065,16 +13067,15 @@
             <p:ph idx="1"/>
           </p:nvPr>
         </p:nvPicPr>
-        <p:blipFill>
-          <a:blip r:embed="rId2"/>
-          <a:stretch>
-            <a:fillRect/>
-          </a:stretch>
+        <p:blipFill rotWithShape="1">
+          <a:blip r:embed="rId3"/>
+          <a:srcRect b="44879"/>
+          <a:stretch/>
         </p:blipFill>
         <p:spPr>
           <a:xfrm>
-            <a:off x="6712313" y="2105025"/>
-            <a:ext cx="3838575" cy="2647950"/>
+            <a:off x="6726601" y="2071803"/>
+            <a:ext cx="3810000" cy="2714393"/>
           </a:xfrm>
           <a:prstGeom prst="rect">
             <a:avLst/>
@@ -13147,7 +13148,7 @@
     </p:spTree>
     <p:extLst>
       <p:ext uri="{BB962C8B-B14F-4D97-AF65-F5344CB8AC3E}">
-        <p14:creationId xmlns:p14="http://schemas.microsoft.com/office/powerpoint/2010/main" val="105920530"/>
+        <p14:creationId xmlns:p14="http://schemas.microsoft.com/office/powerpoint/2010/main" val="234104158"/>
       </p:ext>
     </p:extLst>
   </p:cSld>
@@ -13280,14 +13281,14 @@
           </a:bodyPr>
           <a:lstStyle/>
           <a:p>
-            <a:pPr lvl="2"/>
-            <a:r>
-              <a:rPr lang="en-US" sz="4400" dirty="0">
+            <a:pPr lvl="2" algn="r"/>
+            <a:r>
+              <a:rPr lang="en-US" sz="3600" dirty="0">
                 <a:solidFill>
                   <a:schemeClr val="bg1"/>
                 </a:solidFill>
               </a:rPr>
-              <a:t>Total Labor Force</a:t>
+              <a:t>Male Life Expectancy</a:t>
             </a:r>
           </a:p>
         </p:txBody>
@@ -13349,7 +13350,7 @@
           <p:cNvPr id="4" name="Content Placeholder 3">
             <a:extLst>
               <a:ext uri="{FF2B5EF4-FFF2-40B4-BE49-F238E27FC236}">
-                <a16:creationId xmlns:a16="http://schemas.microsoft.com/office/drawing/2014/main" id="{902576E5-FF56-48D5-942E-C25F30C93F78}"/>
+                <a16:creationId xmlns:a16="http://schemas.microsoft.com/office/drawing/2014/main" id="{47730652-D39C-4344-9E1E-80F6EC70C61C}"/>
               </a:ext>
             </a:extLst>
           </p:cNvPr>
@@ -13360,16 +13361,15 @@
             <p:ph idx="1"/>
           </p:nvPr>
         </p:nvPicPr>
-        <p:blipFill>
-          <a:blip r:embed="rId2"/>
-          <a:stretch>
-            <a:fillRect/>
-          </a:stretch>
+        <p:blipFill rotWithShape="1">
+          <a:blip r:embed="rId3"/>
+          <a:srcRect b="44976"/>
+          <a:stretch/>
         </p:blipFill>
         <p:spPr>
           <a:xfrm>
-            <a:off x="6350363" y="2160632"/>
-            <a:ext cx="4562475" cy="2536736"/>
+            <a:off x="6726601" y="2047991"/>
+            <a:ext cx="3810000" cy="2762018"/>
           </a:xfrm>
           <a:prstGeom prst="rect">
             <a:avLst/>
@@ -13442,7 +13442,7 @@
     </p:spTree>
     <p:extLst>
       <p:ext uri="{BB962C8B-B14F-4D97-AF65-F5344CB8AC3E}">
-        <p14:creationId xmlns:p14="http://schemas.microsoft.com/office/powerpoint/2010/main" val="2920851687"/>
+        <p14:creationId xmlns:p14="http://schemas.microsoft.com/office/powerpoint/2010/main" val="2675126648"/>
       </p:ext>
     </p:extLst>
   </p:cSld>

--- a/group5_presentation.pptx
+++ b/group5_presentation.pptx
@@ -14207,12 +14207,20 @@
           <a:p>
             <a:pPr lvl="2"/>
             <a:r>
+              <a:rPr lang="en-US">
+                <a:solidFill>
+                  <a:schemeClr val="bg1"/>
+                </a:solidFill>
+              </a:rPr>
+              <a:t>0.66 </a:t>
+            </a:r>
+            <a:r>
               <a:rPr lang="en-US" dirty="0">
                 <a:solidFill>
                   <a:schemeClr val="bg1"/>
                 </a:solidFill>
               </a:rPr>
-              <a:t>-0.66 correlation</a:t>
+              <a:t>correlation</a:t>
             </a:r>
           </a:p>
           <a:p>

--- a/group5_presentation.pptx
+++ b/group5_presentation.pptx
@@ -146,6 +146,7 @@
 <p1510:revInfo xmlns:a="http://schemas.openxmlformats.org/drawingml/2006/main" xmlns:r="http://schemas.openxmlformats.org/officeDocument/2006/relationships" xmlns:p1510="http://schemas.microsoft.com/office/powerpoint/2015/10/main">
   <p1510:revLst>
     <p1510:client id="{044918A7-2F01-4CC6-9E70-8F287641BB0B}" v="156" dt="2021-02-04T07:54:50.767"/>
+    <p1510:client id="{F0FBF225-4F14-41DD-8F69-5B6C94618A10}" v="2" dt="2021-02-05T00:27:06.389"/>
   </p1510:revLst>
 </p1510:revInfo>
 </file>
@@ -2713,6 +2714,44 @@
             <ac:spMk id="2" creationId="{A9B9A8F3-2753-43E8-937A-A2A7828191E2}"/>
           </ac:spMkLst>
         </pc:spChg>
+      </pc:sldChg>
+    </pc:docChg>
+  </pc:docChgLst>
+  <pc:docChgLst>
+    <pc:chgData name="Ross Teare" userId="af2d9ed122332fbc" providerId="LiveId" clId="{F0FBF225-4F14-41DD-8F69-5B6C94618A10}"/>
+    <pc:docChg chg="undo custSel modSld">
+      <pc:chgData name="Ross Teare" userId="af2d9ed122332fbc" providerId="LiveId" clId="{F0FBF225-4F14-41DD-8F69-5B6C94618A10}" dt="2021-02-05T00:27:22.721" v="1348"/>
+      <pc:docMkLst>
+        <pc:docMk/>
+      </pc:docMkLst>
+      <pc:sldChg chg="modSp mod">
+        <pc:chgData name="Ross Teare" userId="af2d9ed122332fbc" providerId="LiveId" clId="{F0FBF225-4F14-41DD-8F69-5B6C94618A10}" dt="2021-02-04T23:45:28.028" v="351" actId="20577"/>
+        <pc:sldMkLst>
+          <pc:docMk/>
+          <pc:sldMk cId="696618771" sldId="286"/>
+        </pc:sldMkLst>
+        <pc:spChg chg="mod">
+          <ac:chgData name="Ross Teare" userId="af2d9ed122332fbc" providerId="LiveId" clId="{F0FBF225-4F14-41DD-8F69-5B6C94618A10}" dt="2021-02-04T23:45:28.028" v="351" actId="20577"/>
+          <ac:spMkLst>
+            <pc:docMk/>
+            <pc:sldMk cId="696618771" sldId="286"/>
+            <ac:spMk id="3" creationId="{CD0CC623-870F-42B1-9CB9-C46E4687C219}"/>
+          </ac:spMkLst>
+        </pc:spChg>
+      </pc:sldChg>
+      <pc:sldChg chg="modNotesTx">
+        <pc:chgData name="Ross Teare" userId="af2d9ed122332fbc" providerId="LiveId" clId="{F0FBF225-4F14-41DD-8F69-5B6C94618A10}" dt="2021-02-05T00:27:22.721" v="1348"/>
+        <pc:sldMkLst>
+          <pc:docMk/>
+          <pc:sldMk cId="3708656379" sldId="288"/>
+        </pc:sldMkLst>
+      </pc:sldChg>
+      <pc:sldChg chg="modNotesTx">
+        <pc:chgData name="Ross Teare" userId="af2d9ed122332fbc" providerId="LiveId" clId="{F0FBF225-4F14-41DD-8F69-5B6C94618A10}" dt="2021-02-05T00:26:58" v="1347" actId="6549"/>
+        <pc:sldMkLst>
+          <pc:docMk/>
+          <pc:sldMk cId="2039397174" sldId="289"/>
+        </pc:sldMkLst>
       </pc:sldChg>
     </pc:docChg>
   </pc:docChgLst>
@@ -3822,6 +3861,357 @@
 </file>
 
 <file path=ppt/notesSlides/notesSlide17.xml><?xml version="1.0" encoding="utf-8"?>
+<p:notes xmlns:a="http://schemas.openxmlformats.org/drawingml/2006/main" xmlns:r="http://schemas.openxmlformats.org/officeDocument/2006/relationships" xmlns:p="http://schemas.openxmlformats.org/presentationml/2006/main">
+  <p:cSld>
+    <p:spTree>
+      <p:nvGrpSpPr>
+        <p:cNvPr id="1" name=""/>
+        <p:cNvGrpSpPr/>
+        <p:nvPr/>
+      </p:nvGrpSpPr>
+      <p:grpSpPr>
+        <a:xfrm>
+          <a:off x="0" y="0"/>
+          <a:ext cx="0" cy="0"/>
+          <a:chOff x="0" y="0"/>
+          <a:chExt cx="0" cy="0"/>
+        </a:xfrm>
+      </p:grpSpPr>
+      <p:sp>
+        <p:nvSpPr>
+          <p:cNvPr id="2" name="Slide Image Placeholder 1"/>
+          <p:cNvSpPr>
+            <a:spLocks noGrp="1" noRot="1" noChangeAspect="1"/>
+          </p:cNvSpPr>
+          <p:nvPr>
+            <p:ph type="sldImg"/>
+          </p:nvPr>
+        </p:nvSpPr>
+        <p:spPr/>
+      </p:sp>
+      <p:sp>
+        <p:nvSpPr>
+          <p:cNvPr id="3" name="Notes Placeholder 2"/>
+          <p:cNvSpPr>
+            <a:spLocks noGrp="1"/>
+          </p:cNvSpPr>
+          <p:nvPr>
+            <p:ph type="body" idx="1"/>
+          </p:nvPr>
+        </p:nvSpPr>
+        <p:spPr/>
+        <p:txBody>
+          <a:bodyPr/>
+          <a:lstStyle/>
+          <a:p>
+            <a:r>
+              <a:rPr lang="en-US" dirty="0"/>
+              <a:t>Moderate:</a:t>
+            </a:r>
+          </a:p>
+          <a:p>
+            <a:pPr lvl="1"/>
+            <a:r>
+              <a:rPr lang="en-US" dirty="0">
+                <a:solidFill>
+                  <a:schemeClr val="bg1"/>
+                </a:solidFill>
+              </a:rPr>
+              <a:t>Population % Adult</a:t>
+            </a:r>
+          </a:p>
+          <a:p>
+            <a:pPr lvl="2"/>
+            <a:r>
+              <a:rPr lang="en-US" dirty="0">
+                <a:solidFill>
+                  <a:schemeClr val="bg1"/>
+                </a:solidFill>
+              </a:rPr>
+              <a:t>Moderate positive correlation </a:t>
+            </a:r>
+          </a:p>
+          <a:p>
+            <a:pPr lvl="2"/>
+            <a:r>
+              <a:rPr lang="en-US" dirty="0">
+                <a:solidFill>
+                  <a:schemeClr val="bg1"/>
+                </a:solidFill>
+              </a:rPr>
+              <a:t>0.5 correlation</a:t>
+            </a:r>
+          </a:p>
+          <a:p>
+            <a:pPr lvl="1"/>
+            <a:r>
+              <a:rPr lang="en-US" dirty="0">
+                <a:solidFill>
+                  <a:schemeClr val="bg1"/>
+                </a:solidFill>
+              </a:rPr>
+              <a:t>Access to Electricity</a:t>
+            </a:r>
+          </a:p>
+          <a:p>
+            <a:pPr lvl="2"/>
+            <a:r>
+              <a:rPr lang="en-US" dirty="0">
+                <a:solidFill>
+                  <a:schemeClr val="bg1"/>
+                </a:solidFill>
+              </a:rPr>
+              <a:t>Moderate negative correlation</a:t>
+            </a:r>
+          </a:p>
+          <a:p>
+            <a:pPr lvl="2"/>
+            <a:r>
+              <a:rPr lang="en-US" dirty="0">
+                <a:solidFill>
+                  <a:schemeClr val="bg1"/>
+                </a:solidFill>
+              </a:rPr>
+              <a:t>-0.66 correlation</a:t>
+            </a:r>
+          </a:p>
+          <a:p>
+            <a:pPr lvl="1"/>
+            <a:r>
+              <a:rPr lang="en-US" dirty="0">
+                <a:solidFill>
+                  <a:schemeClr val="bg1"/>
+                </a:solidFill>
+              </a:rPr>
+              <a:t>Infant Mortality</a:t>
+            </a:r>
+          </a:p>
+          <a:p>
+            <a:pPr lvl="2"/>
+            <a:r>
+              <a:rPr lang="en-US" dirty="0">
+                <a:solidFill>
+                  <a:schemeClr val="bg1"/>
+                </a:solidFill>
+              </a:rPr>
+              <a:t>Moderate negative correlation</a:t>
+            </a:r>
+          </a:p>
+          <a:p>
+            <a:pPr lvl="2"/>
+            <a:r>
+              <a:rPr lang="en-US" dirty="0">
+                <a:solidFill>
+                  <a:schemeClr val="bg1"/>
+                </a:solidFill>
+              </a:rPr>
+              <a:t>-0.63 correlation</a:t>
+            </a:r>
+          </a:p>
+          <a:p>
+            <a:r>
+              <a:rPr lang="en-US" dirty="0"/>
+              <a:t>Strong:</a:t>
+            </a:r>
+          </a:p>
+          <a:p>
+            <a:pPr lvl="1"/>
+            <a:r>
+              <a:rPr lang="en-US" dirty="0">
+                <a:solidFill>
+                  <a:schemeClr val="bg1"/>
+                </a:solidFill>
+              </a:rPr>
+              <a:t>Female Life Expectancy</a:t>
+            </a:r>
+          </a:p>
+          <a:p>
+            <a:pPr lvl="2"/>
+            <a:r>
+              <a:rPr lang="en-US" dirty="0">
+                <a:solidFill>
+                  <a:schemeClr val="bg1"/>
+                </a:solidFill>
+              </a:rPr>
+              <a:t>Strong positive correlation</a:t>
+            </a:r>
+          </a:p>
+          <a:p>
+            <a:pPr lvl="2"/>
+            <a:r>
+              <a:rPr lang="en-US" dirty="0">
+                <a:solidFill>
+                  <a:schemeClr val="bg1"/>
+                </a:solidFill>
+              </a:rPr>
+              <a:t>0.76 correlation</a:t>
+            </a:r>
+          </a:p>
+          <a:p>
+            <a:pPr lvl="1"/>
+            <a:r>
+              <a:rPr lang="en-US" dirty="0">
+                <a:solidFill>
+                  <a:schemeClr val="bg1"/>
+                </a:solidFill>
+              </a:rPr>
+              <a:t>Male Life Expectancy</a:t>
+            </a:r>
+          </a:p>
+          <a:p>
+            <a:pPr lvl="2"/>
+            <a:r>
+              <a:rPr lang="en-US" dirty="0">
+                <a:solidFill>
+                  <a:schemeClr val="bg1"/>
+                </a:solidFill>
+              </a:rPr>
+              <a:t>Strong positive correlation</a:t>
+            </a:r>
+          </a:p>
+          <a:p>
+            <a:pPr lvl="2"/>
+            <a:r>
+              <a:rPr lang="en-US" dirty="0">
+                <a:solidFill>
+                  <a:schemeClr val="bg1"/>
+                </a:solidFill>
+              </a:rPr>
+              <a:t>0.79 correlation</a:t>
+            </a:r>
+          </a:p>
+          <a:p>
+            <a:r>
+              <a:rPr lang="en-US"/>
+              <a:t> </a:t>
+            </a:r>
+          </a:p>
+          <a:p>
+            <a:endParaRPr lang="en-US" dirty="0"/>
+          </a:p>
+        </p:txBody>
+      </p:sp>
+      <p:sp>
+        <p:nvSpPr>
+          <p:cNvPr id="4" name="Slide Number Placeholder 3"/>
+          <p:cNvSpPr>
+            <a:spLocks noGrp="1"/>
+          </p:cNvSpPr>
+          <p:nvPr>
+            <p:ph type="sldNum" sz="quarter" idx="5"/>
+          </p:nvPr>
+        </p:nvSpPr>
+        <p:spPr/>
+        <p:txBody>
+          <a:bodyPr/>
+          <a:lstStyle/>
+          <a:p>
+            <a:fld id="{6A2738CA-FD84-4959-96B8-BB76F9EFE350}" type="slidenum">
+              <a:rPr lang="en-US" smtClean="0"/>
+              <a:t>26</a:t>
+            </a:fld>
+            <a:endParaRPr lang="en-US"/>
+          </a:p>
+        </p:txBody>
+      </p:sp>
+    </p:spTree>
+    <p:extLst>
+      <p:ext uri="{BB962C8B-B14F-4D97-AF65-F5344CB8AC3E}">
+        <p14:creationId xmlns:p14="http://schemas.microsoft.com/office/powerpoint/2010/main" val="1378761044"/>
+      </p:ext>
+    </p:extLst>
+  </p:cSld>
+  <p:clrMapOvr>
+    <a:masterClrMapping/>
+  </p:clrMapOvr>
+</p:notes>
+</file>
+
+<file path=ppt/notesSlides/notesSlide18.xml><?xml version="1.0" encoding="utf-8"?>
+<p:notes xmlns:a="http://schemas.openxmlformats.org/drawingml/2006/main" xmlns:r="http://schemas.openxmlformats.org/officeDocument/2006/relationships" xmlns:p="http://schemas.openxmlformats.org/presentationml/2006/main">
+  <p:cSld>
+    <p:spTree>
+      <p:nvGrpSpPr>
+        <p:cNvPr id="1" name=""/>
+        <p:cNvGrpSpPr/>
+        <p:nvPr/>
+      </p:nvGrpSpPr>
+      <p:grpSpPr>
+        <a:xfrm>
+          <a:off x="0" y="0"/>
+          <a:ext cx="0" cy="0"/>
+          <a:chOff x="0" y="0"/>
+          <a:chExt cx="0" cy="0"/>
+        </a:xfrm>
+      </p:grpSpPr>
+      <p:sp>
+        <p:nvSpPr>
+          <p:cNvPr id="2" name="Slide Image Placeholder 1"/>
+          <p:cNvSpPr>
+            <a:spLocks noGrp="1" noRot="1" noChangeAspect="1"/>
+          </p:cNvSpPr>
+          <p:nvPr>
+            <p:ph type="sldImg"/>
+          </p:nvPr>
+        </p:nvSpPr>
+        <p:spPr/>
+      </p:sp>
+      <p:sp>
+        <p:nvSpPr>
+          <p:cNvPr id="3" name="Notes Placeholder 2"/>
+          <p:cNvSpPr>
+            <a:spLocks noGrp="1"/>
+          </p:cNvSpPr>
+          <p:nvPr>
+            <p:ph type="body" idx="1"/>
+          </p:nvPr>
+        </p:nvSpPr>
+        <p:spPr/>
+        <p:txBody>
+          <a:bodyPr/>
+          <a:lstStyle/>
+          <a:p>
+            <a:endParaRPr lang="en-US" dirty="0"/>
+          </a:p>
+        </p:txBody>
+      </p:sp>
+      <p:sp>
+        <p:nvSpPr>
+          <p:cNvPr id="4" name="Slide Number Placeholder 3"/>
+          <p:cNvSpPr>
+            <a:spLocks noGrp="1"/>
+          </p:cNvSpPr>
+          <p:nvPr>
+            <p:ph type="sldNum" sz="quarter" idx="5"/>
+          </p:nvPr>
+        </p:nvSpPr>
+        <p:spPr/>
+        <p:txBody>
+          <a:bodyPr/>
+          <a:lstStyle/>
+          <a:p>
+            <a:fld id="{6A2738CA-FD84-4959-96B8-BB76F9EFE350}" type="slidenum">
+              <a:rPr lang="en-US" smtClean="0"/>
+              <a:t>27</a:t>
+            </a:fld>
+            <a:endParaRPr lang="en-US"/>
+          </a:p>
+        </p:txBody>
+      </p:sp>
+    </p:spTree>
+    <p:extLst>
+      <p:ext uri="{BB962C8B-B14F-4D97-AF65-F5344CB8AC3E}">
+        <p14:creationId xmlns:p14="http://schemas.microsoft.com/office/powerpoint/2010/main" val="1162946614"/>
+      </p:ext>
+    </p:extLst>
+  </p:cSld>
+  <p:clrMapOvr>
+    <a:masterClrMapping/>
+  </p:clrMapOvr>
+</p:notes>
+</file>
+
+<file path=ppt/notesSlides/notesSlide19.xml><?xml version="1.0" encoding="utf-8"?>
 <p:notes xmlns:a="http://schemas.openxmlformats.org/drawingml/2006/main" xmlns:r="http://schemas.openxmlformats.org/officeDocument/2006/relationships" xmlns:p="http://schemas.openxmlformats.org/presentationml/2006/main">
   <p:cSld>
     <p:spTree>
@@ -14212,7 +14602,7 @@
                   <a:schemeClr val="bg1"/>
                 </a:solidFill>
               </a:rPr>
-              <a:t>-0.66 correlation</a:t>
+              <a:t>0.66 correlation</a:t>
             </a:r>
           </a:p>
           <a:p>
